--- a/Final deliverables/SMM750 Group Assignment_Group 5.pptx
+++ b/Final deliverables/SMM750 Group Assignment_Group 5.pptx
@@ -363,6 +363,11 @@
         </p:txBody>
       </p:sp>
     </p:spTree>
+    <p:extLst>
+      <p:ext uri="{BB962C8B-B14F-4D97-AF65-F5344CB8AC3E}">
+        <p14:creationId xmlns:p14="http://schemas.microsoft.com/office/powerpoint/2010/main" val="1"/>
+      </p:ext>
+    </p:extLst>
   </p:cSld>
   <p:clrMap bg1="lt1" tx1="dk1" bg2="lt2" tx2="dk2" accent1="accent1" accent2="accent2" accent3="accent3" accent4="accent4" accent5="accent5" accent6="accent6" hlink="hlink" folHlink="folHlink"/>
   <p:hf sldNum="0" hdr="0" ftr="0"/>
@@ -4589,8 +4594,8 @@
         </p:nvSpPr>
         <p:spPr>
           <a:xfrm>
-            <a:off x="719138" y="2133600"/>
-            <a:ext cx="7885112" cy="823913"/>
+            <a:off x="755576" y="1916832"/>
+            <a:ext cx="7885112" cy="4320480"/>
           </a:xfrm>
         </p:spPr>
         <p:txBody>
@@ -4603,12 +4608,12 @@
               <a:defRPr/>
             </a:pPr>
             <a:br>
-              <a:rPr lang="en-GB" dirty="0">
+              <a:rPr lang="en-GB" sz="3600" dirty="0">
                 <a:latin typeface="Calibri" pitchFamily="34" charset="0"/>
               </a:rPr>
             </a:br>
             <a:r>
-              <a:rPr lang="en-GB" dirty="0">
+              <a:rPr lang="en-GB" sz="3600" dirty="0">
                 <a:latin typeface="Calibri" pitchFamily="34" charset="0"/>
               </a:rPr>
               <a:t>SMM750 Group Assignment</a:t>
@@ -4619,76 +4624,150 @@
               </a:rPr>
             </a:br>
             <a:r>
-              <a:rPr lang="en-GB" sz="2200" dirty="0">
+              <a:rPr lang="en-GB" sz="3100" dirty="0">
                 <a:latin typeface="Calibri" pitchFamily="34" charset="0"/>
               </a:rPr>
-              <a:t>Group 5: Linh Nguyen (</a:t>
+              <a:t>ONLINE WINE MARKET</a:t>
             </a:r>
             <a:br>
-              <a:rPr lang="en-GB" sz="2200" dirty="0">
+              <a:rPr lang="en-GB" sz="3100" dirty="0">
                 <a:latin typeface="Calibri" pitchFamily="34" charset="0"/>
               </a:rPr>
             </a:br>
             <a:r>
-              <a:rPr lang="en-GB" sz="2200" dirty="0">
+              <a:rPr lang="en-GB" sz="3100" dirty="0">
                 <a:latin typeface="Calibri" pitchFamily="34" charset="0"/>
+              </a:rPr>
+              <a:t>COMPETITOR ANALYSIS</a:t>
+            </a:r>
+            <a:br>
+              <a:rPr lang="en-GB" sz="3100" dirty="0">
+                <a:latin typeface="Calibri" pitchFamily="34" charset="0"/>
+              </a:rPr>
+            </a:br>
+            <a:br>
+              <a:rPr lang="en-GB" dirty="0">
+                <a:latin typeface="Calibri" pitchFamily="34" charset="0"/>
+              </a:rPr>
+            </a:br>
+            <a:r>
+              <a:rPr lang="en-GB" sz="2000" dirty="0">
+                <a:latin typeface="Calibri" panose="020F0502020204030204" pitchFamily="34" charset="0"/>
+                <a:cs typeface="Calibri" panose="020F0502020204030204" pitchFamily="34" charset="0"/>
+              </a:rPr>
+              <a:t>Group 5: Linh Nguyen (</a:t>
+            </a:r>
+            <a:r>
+              <a:rPr lang="en-GB" sz="2000" dirty="0">
+                <a:effectLst/>
+                <a:latin typeface="Calibri" panose="020F0502020204030204" pitchFamily="34" charset="0"/>
+                <a:ea typeface="DengXian" panose="02010600030101010101" pitchFamily="2" charset="-122"/>
+                <a:cs typeface="Calibri" panose="020F0502020204030204" pitchFamily="34" charset="0"/>
+              </a:rPr>
+              <a:t>170037344</a:t>
+            </a:r>
+            <a:r>
+              <a:rPr lang="en-GB" sz="2000" dirty="0">
+                <a:effectLst/>
+                <a:latin typeface="Calibri" panose="020F0502020204030204" pitchFamily="34" charset="0"/>
+                <a:cs typeface="Calibri" panose="020F0502020204030204" pitchFamily="34" charset="0"/>
+              </a:rPr>
+              <a:t>)</a:t>
+            </a:r>
+            <a:br>
+              <a:rPr lang="en-GB" sz="2000" dirty="0">
+                <a:latin typeface="Calibri" panose="020F0502020204030204" pitchFamily="34" charset="0"/>
+                <a:cs typeface="Calibri" panose="020F0502020204030204" pitchFamily="34" charset="0"/>
+              </a:rPr>
+            </a:br>
+            <a:r>
+              <a:rPr lang="en-GB" sz="2000" dirty="0">
+                <a:latin typeface="Calibri" panose="020F0502020204030204" pitchFamily="34" charset="0"/>
+                <a:cs typeface="Calibri" panose="020F0502020204030204" pitchFamily="34" charset="0"/>
               </a:rPr>
               <a:t>                 Soumya </a:t>
             </a:r>
             <a:r>
-              <a:rPr lang="en-GB" sz="2200" dirty="0" err="1">
-                <a:latin typeface="Calibri" pitchFamily="34" charset="0"/>
+              <a:rPr lang="en-GB" sz="2000" dirty="0" err="1">
+                <a:latin typeface="Calibri" panose="020F0502020204030204" pitchFamily="34" charset="0"/>
+                <a:cs typeface="Calibri" panose="020F0502020204030204" pitchFamily="34" charset="0"/>
               </a:rPr>
               <a:t>Ogoti</a:t>
             </a:r>
             <a:r>
-              <a:rPr lang="en-GB" sz="2200" dirty="0">
-                <a:latin typeface="Calibri" pitchFamily="34" charset="0"/>
+              <a:rPr lang="en-GB" sz="2000" dirty="0">
+                <a:latin typeface="Calibri" panose="020F0502020204030204" pitchFamily="34" charset="0"/>
+                <a:cs typeface="Calibri" panose="020F0502020204030204" pitchFamily="34" charset="0"/>
               </a:rPr>
-              <a:t> (220045527 )</a:t>
+              <a:t> (220045527)</a:t>
             </a:r>
             <a:br>
-              <a:rPr lang="en-GB" sz="2200" dirty="0">
-                <a:latin typeface="Calibri" pitchFamily="34" charset="0"/>
+              <a:rPr lang="en-GB" sz="2000" dirty="0">
+                <a:latin typeface="Calibri" panose="020F0502020204030204" pitchFamily="34" charset="0"/>
+                <a:cs typeface="Calibri" panose="020F0502020204030204" pitchFamily="34" charset="0"/>
               </a:rPr>
             </a:br>
             <a:r>
-              <a:rPr lang="en-GB" sz="2200" dirty="0">
-                <a:latin typeface="Calibri" pitchFamily="34" charset="0"/>
+              <a:rPr lang="en-GB" sz="2000" dirty="0">
+                <a:latin typeface="Calibri" panose="020F0502020204030204" pitchFamily="34" charset="0"/>
+                <a:cs typeface="Calibri" panose="020F0502020204030204" pitchFamily="34" charset="0"/>
               </a:rPr>
               <a:t>                 </a:t>
             </a:r>
             <a:r>
-              <a:rPr lang="en-GB" sz="2200" dirty="0" err="1">
-                <a:latin typeface="Calibri" pitchFamily="34" charset="0"/>
+              <a:rPr lang="en-GB" sz="2000" dirty="0" err="1">
+                <a:latin typeface="Calibri" panose="020F0502020204030204" pitchFamily="34" charset="0"/>
+                <a:cs typeface="Calibri" panose="020F0502020204030204" pitchFamily="34" charset="0"/>
               </a:rPr>
               <a:t>Wenxu</a:t>
             </a:r>
             <a:r>
-              <a:rPr lang="en-GB" sz="2200" dirty="0">
-                <a:latin typeface="Calibri" pitchFamily="34" charset="0"/>
+              <a:rPr lang="en-GB" sz="2000" dirty="0">
+                <a:latin typeface="Calibri" panose="020F0502020204030204" pitchFamily="34" charset="0"/>
+                <a:cs typeface="Calibri" panose="020F0502020204030204" pitchFamily="34" charset="0"/>
               </a:rPr>
               <a:t> Tian (210059418)</a:t>
             </a:r>
             <a:br>
-              <a:rPr lang="en-GB" sz="2200" dirty="0">
-                <a:latin typeface="Calibri" pitchFamily="34" charset="0"/>
+              <a:rPr lang="en-GB" sz="2000" dirty="0">
+                <a:latin typeface="Calibri" panose="020F0502020204030204" pitchFamily="34" charset="0"/>
+                <a:cs typeface="Calibri" panose="020F0502020204030204" pitchFamily="34" charset="0"/>
               </a:rPr>
             </a:br>
             <a:r>
-              <a:rPr lang="en-GB" sz="2200" dirty="0">
-                <a:latin typeface="Calibri" pitchFamily="34" charset="0"/>
+              <a:rPr lang="en-GB" sz="2000" dirty="0">
+                <a:latin typeface="Calibri" panose="020F0502020204030204" pitchFamily="34" charset="0"/>
+                <a:cs typeface="Calibri" panose="020F0502020204030204" pitchFamily="34" charset="0"/>
               </a:rPr>
-              <a:t>                 Aparna Viswanathan</a:t>
+              <a:t>                 Aparna Viswanathan (</a:t>
+            </a:r>
+            <a:r>
+              <a:rPr lang="en-GB" sz="2000" dirty="0">
+                <a:effectLst/>
+                <a:latin typeface="Calibri" panose="020F0502020204030204" pitchFamily="34" charset="0"/>
+                <a:ea typeface="DengXian" panose="02010600030101010101" pitchFamily="2" charset="-122"/>
+                <a:cs typeface="Calibri" panose="020F0502020204030204" pitchFamily="34" charset="0"/>
+              </a:rPr>
+              <a:t>220004767</a:t>
+            </a:r>
+            <a:r>
+              <a:rPr lang="en-GB" sz="2000" dirty="0">
+                <a:effectLst/>
+                <a:latin typeface="Calibri" panose="020F0502020204030204" pitchFamily="34" charset="0"/>
+                <a:cs typeface="Calibri" panose="020F0502020204030204" pitchFamily="34" charset="0"/>
+              </a:rPr>
+              <a:t>)</a:t>
             </a:r>
             <a:br>
-              <a:rPr lang="en-GB" sz="2200" dirty="0">
-                <a:latin typeface="Calibri" pitchFamily="34" charset="0"/>
+              <a:rPr lang="en-GB" sz="2000" dirty="0">
+                <a:latin typeface="Calibri" panose="020F0502020204030204" pitchFamily="34" charset="0"/>
+                <a:cs typeface="Calibri" panose="020F0502020204030204" pitchFamily="34" charset="0"/>
               </a:rPr>
             </a:br>
             <a:r>
-              <a:rPr lang="en-GB" sz="2200" dirty="0">
-                <a:latin typeface="Calibri" pitchFamily="34" charset="0"/>
+              <a:rPr lang="en-GB" sz="2000" dirty="0">
+                <a:latin typeface="Calibri" panose="020F0502020204030204" pitchFamily="34" charset="0"/>
+                <a:cs typeface="Calibri" panose="020F0502020204030204" pitchFamily="34" charset="0"/>
               </a:rPr>
               <a:t>                 Fan Xia (200039922)</a:t>
             </a:r>
@@ -7659,7 +7738,7 @@
               </a:pPr>
               <a:r>
                 <a:rPr lang="en-GB" sz="2000" kern="1200" dirty="0"/>
-                <a:t>Customise the code</a:t>
+                <a:t>Customising the code</a:t>
               </a:r>
             </a:p>
           </p:txBody>
@@ -7837,7 +7916,7 @@
                   <a:latin typeface="Arial" panose="020B0604020202020204" pitchFamily="34" charset="0"/>
                   <a:ea typeface="DengXian" panose="02010600030101010101" pitchFamily="2" charset="-122"/>
                 </a:rPr>
-                <a:t>Python time sleep function</a:t>
+                <a:t>Waiting or choosing alternatives</a:t>
               </a:r>
               <a:endParaRPr lang="en-GB" sz="2000" kern="1200" dirty="0"/>
             </a:p>
@@ -8129,16 +8208,8 @@
                 <a:buNone/>
               </a:pPr>
               <a:r>
-                <a:rPr lang="en-GB" sz="1500" b="1" kern="1200" dirty="0"/>
-                <a:t>IP Blocki</a:t>
-              </a:r>
-              <a:r>
-                <a:rPr lang="en-GB" sz="1500" b="1" dirty="0"/>
-                <a:t>n</a:t>
-              </a:r>
-              <a:r>
-                <a:rPr lang="en-GB" sz="1500" b="1" kern="1200" dirty="0"/>
-                <a:t>g</a:t>
+                <a:rPr lang="en-GB" sz="1400" b="1" kern="1200" dirty="0"/>
+                <a:t>Anti -Scrapping</a:t>
               </a:r>
             </a:p>
           </p:txBody>
@@ -8256,8 +8327,27 @@
               </a:pPr>
               <a:r>
                 <a:rPr lang="en-GB" sz="1500" b="1" kern="1200" dirty="0"/>
-                <a:t>Slow and unstable load speed</a:t>
+                <a:t>Website</a:t>
               </a:r>
+            </a:p>
+            <a:p>
+              <a:pPr marL="0" lvl="0" indent="0" algn="ctr" defTabSz="977900">
+                <a:lnSpc>
+                  <a:spcPct val="90000"/>
+                </a:lnSpc>
+                <a:spcBef>
+                  <a:spcPct val="0"/>
+                </a:spcBef>
+                <a:spcAft>
+                  <a:spcPct val="35000"/>
+                </a:spcAft>
+                <a:buNone/>
+              </a:pPr>
+              <a:r>
+                <a:rPr lang="en-GB" sz="1500" b="1" dirty="0"/>
+                <a:t>crashes</a:t>
+              </a:r>
+              <a:endParaRPr lang="en-GB" sz="1500" b="1" kern="1200" dirty="0"/>
             </a:p>
           </p:txBody>
         </p:sp>
@@ -8374,7 +8464,7 @@
               </a:pPr>
               <a:r>
                 <a:rPr lang="en-GB" sz="1500" b="1" kern="1200" dirty="0"/>
-                <a:t>Poor content quality</a:t>
+                <a:t>Poor data quality</a:t>
               </a:r>
             </a:p>
           </p:txBody>
